--- a/media/Graphs.pptx
+++ b/media/Graphs.pptx
@@ -5,12 +5,13 @@
     <p:sldMasterId id="2147483648" r:id="rId1"/>
   </p:sldMasterIdLst>
   <p:notesMasterIdLst>
-    <p:notesMasterId r:id="rId5"/>
+    <p:notesMasterId r:id="rId6"/>
   </p:notesMasterIdLst>
   <p:sldIdLst>
     <p:sldId id="257" r:id="rId2"/>
     <p:sldId id="259" r:id="rId3"/>
     <p:sldId id="258" r:id="rId4"/>
+    <p:sldId id="260" r:id="rId5"/>
   </p:sldIdLst>
   <p:sldSz cx="12192000" cy="6858000"/>
   <p:notesSz cx="6858000" cy="9144000"/>
@@ -199,7 +200,7 @@
           <a:p>
             <a:fld id="{CDC20CE0-D7AB-4E41-9A62-FA916E968D6E}" type="datetimeFigureOut">
               <a:rPr lang="en-TW" smtClean="0"/>
-              <a:t>2024/5/22</a:t>
+              <a:t>2024/5/24</a:t>
             </a:fld>
             <a:endParaRPr lang="en-TW"/>
           </a:p>
@@ -868,7 +869,7 @@
           <a:p>
             <a:fld id="{F1060869-B550-1243-84A8-BC75E6A20A47}" type="datetimeFigureOut">
               <a:rPr lang="en-TW" smtClean="0"/>
-              <a:t>2024/5/16</a:t>
+              <a:t>2024/5/24</a:t>
             </a:fld>
             <a:endParaRPr lang="en-TW"/>
           </a:p>
@@ -1068,7 +1069,7 @@
           <a:p>
             <a:fld id="{F1060869-B550-1243-84A8-BC75E6A20A47}" type="datetimeFigureOut">
               <a:rPr lang="en-TW" smtClean="0"/>
-              <a:t>2024/5/16</a:t>
+              <a:t>2024/5/24</a:t>
             </a:fld>
             <a:endParaRPr lang="en-TW"/>
           </a:p>
@@ -1278,7 +1279,7 @@
           <a:p>
             <a:fld id="{F1060869-B550-1243-84A8-BC75E6A20A47}" type="datetimeFigureOut">
               <a:rPr lang="en-TW" smtClean="0"/>
-              <a:t>2024/5/16</a:t>
+              <a:t>2024/5/24</a:t>
             </a:fld>
             <a:endParaRPr lang="en-TW"/>
           </a:p>
@@ -1478,7 +1479,7 @@
           <a:p>
             <a:fld id="{F1060869-B550-1243-84A8-BC75E6A20A47}" type="datetimeFigureOut">
               <a:rPr lang="en-TW" smtClean="0"/>
-              <a:t>2024/5/16</a:t>
+              <a:t>2024/5/24</a:t>
             </a:fld>
             <a:endParaRPr lang="en-TW"/>
           </a:p>
@@ -1754,7 +1755,7 @@
           <a:p>
             <a:fld id="{F1060869-B550-1243-84A8-BC75E6A20A47}" type="datetimeFigureOut">
               <a:rPr lang="en-TW" smtClean="0"/>
-              <a:t>2024/5/16</a:t>
+              <a:t>2024/5/24</a:t>
             </a:fld>
             <a:endParaRPr lang="en-TW"/>
           </a:p>
@@ -2022,7 +2023,7 @@
           <a:p>
             <a:fld id="{F1060869-B550-1243-84A8-BC75E6A20A47}" type="datetimeFigureOut">
               <a:rPr lang="en-TW" smtClean="0"/>
-              <a:t>2024/5/16</a:t>
+              <a:t>2024/5/24</a:t>
             </a:fld>
             <a:endParaRPr lang="en-TW"/>
           </a:p>
@@ -2437,7 +2438,7 @@
           <a:p>
             <a:fld id="{F1060869-B550-1243-84A8-BC75E6A20A47}" type="datetimeFigureOut">
               <a:rPr lang="en-TW" smtClean="0"/>
-              <a:t>2024/5/16</a:t>
+              <a:t>2024/5/24</a:t>
             </a:fld>
             <a:endParaRPr lang="en-TW"/>
           </a:p>
@@ -2579,7 +2580,7 @@
           <a:p>
             <a:fld id="{F1060869-B550-1243-84A8-BC75E6A20A47}" type="datetimeFigureOut">
               <a:rPr lang="en-TW" smtClean="0"/>
-              <a:t>2024/5/16</a:t>
+              <a:t>2024/5/24</a:t>
             </a:fld>
             <a:endParaRPr lang="en-TW"/>
           </a:p>
@@ -2692,7 +2693,7 @@
           <a:p>
             <a:fld id="{F1060869-B550-1243-84A8-BC75E6A20A47}" type="datetimeFigureOut">
               <a:rPr lang="en-TW" smtClean="0"/>
-              <a:t>2024/5/16</a:t>
+              <a:t>2024/5/24</a:t>
             </a:fld>
             <a:endParaRPr lang="en-TW"/>
           </a:p>
@@ -3005,7 +3006,7 @@
           <a:p>
             <a:fld id="{F1060869-B550-1243-84A8-BC75E6A20A47}" type="datetimeFigureOut">
               <a:rPr lang="en-TW" smtClean="0"/>
-              <a:t>2024/5/16</a:t>
+              <a:t>2024/5/24</a:t>
             </a:fld>
             <a:endParaRPr lang="en-TW"/>
           </a:p>
@@ -3294,7 +3295,7 @@
           <a:p>
             <a:fld id="{F1060869-B550-1243-84A8-BC75E6A20A47}" type="datetimeFigureOut">
               <a:rPr lang="en-TW" smtClean="0"/>
-              <a:t>2024/5/16</a:t>
+              <a:t>2024/5/24</a:t>
             </a:fld>
             <a:endParaRPr lang="en-TW"/>
           </a:p>
@@ -3537,7 +3538,7 @@
           <a:p>
             <a:fld id="{F1060869-B550-1243-84A8-BC75E6A20A47}" type="datetimeFigureOut">
               <a:rPr lang="en-TW" smtClean="0"/>
-              <a:t>2024/5/16</a:t>
+              <a:t>2024/5/24</a:t>
             </a:fld>
             <a:endParaRPr lang="en-TW"/>
           </a:p>
@@ -9273,6 +9274,66 @@
     <p:extLst>
       <p:ext uri="{BB962C8B-B14F-4D97-AF65-F5344CB8AC3E}">
         <p14:creationId xmlns:p14="http://schemas.microsoft.com/office/powerpoint/2010/main" val="3971876223"/>
+      </p:ext>
+    </p:extLst>
+  </p:cSld>
+  <p:clrMapOvr>
+    <a:masterClrMapping/>
+  </p:clrMapOvr>
+</p:sld>
+</file>
+
+<file path=ppt/slides/slide4.xml><?xml version="1.0" encoding="utf-8"?>
+<p:sld xmlns:a="http://schemas.openxmlformats.org/drawingml/2006/main" xmlns:r="http://schemas.openxmlformats.org/officeDocument/2006/relationships" xmlns:p="http://schemas.openxmlformats.org/presentationml/2006/main">
+  <p:cSld>
+    <p:spTree>
+      <p:nvGrpSpPr>
+        <p:cNvPr id="1" name=""/>
+        <p:cNvGrpSpPr/>
+        <p:nvPr/>
+      </p:nvGrpSpPr>
+      <p:grpSpPr>
+        <a:xfrm>
+          <a:off x="0" y="0"/>
+          <a:ext cx="0" cy="0"/>
+          <a:chOff x="0" y="0"/>
+          <a:chExt cx="0" cy="0"/>
+        </a:xfrm>
+      </p:grpSpPr>
+      <p:pic>
+        <p:nvPicPr>
+          <p:cNvPr id="6" name="Picture 5">
+            <a:extLst>
+              <a:ext uri="{FF2B5EF4-FFF2-40B4-BE49-F238E27FC236}">
+                <a16:creationId xmlns:a16="http://schemas.microsoft.com/office/drawing/2014/main" id="{0C8B8C61-6C26-35F9-57DB-E711643748C6}"/>
+              </a:ext>
+            </a:extLst>
+          </p:cNvPr>
+          <p:cNvPicPr>
+            <a:picLocks noChangeAspect="1"/>
+          </p:cNvPicPr>
+          <p:nvPr/>
+        </p:nvPicPr>
+        <p:blipFill>
+          <a:blip r:embed="rId2"/>
+          <a:stretch>
+            <a:fillRect/>
+          </a:stretch>
+        </p:blipFill>
+        <p:spPr>
+          <a:xfrm>
+            <a:off x="2209800" y="889000"/>
+            <a:ext cx="7772400" cy="5080000"/>
+          </a:xfrm>
+          <a:prstGeom prst="rect">
+            <a:avLst/>
+          </a:prstGeom>
+        </p:spPr>
+      </p:pic>
+    </p:spTree>
+    <p:extLst>
+      <p:ext uri="{BB962C8B-B14F-4D97-AF65-F5344CB8AC3E}">
+        <p14:creationId xmlns:p14="http://schemas.microsoft.com/office/powerpoint/2010/main" val="2404334213"/>
       </p:ext>
     </p:extLst>
   </p:cSld>
